--- a/Technical_Architecture_&_Flow.pptx
+++ b/Technical_Architecture_&_Flow.pptx
@@ -104,6 +104,11 @@
       </a:defRPr>
     </a:lvl9pPr>
   </p:defaultTextStyle>
+  <p:extLst>
+    <p:ext uri="{EFAFB233-063F-42B5-8137-9DF3F51BA10A}">
+      <p15:sldGuideLst xmlns:p15="http://schemas.microsoft.com/office/powerpoint/2012/main"/>
+    </p:ext>
+  </p:extLst>
 </p:presentation>
 </file>
 
@@ -254,7 +259,7 @@
           <a:p>
             <a:fld id="{ACA72623-B0BF-41E5-9560-81A7199B980B}" type="datetimeFigureOut">
               <a:rPr lang="en-US" smtClean="0"/>
-              <a:t>12/1/2024</a:t>
+              <a:t>12/2/2024</a:t>
             </a:fld>
             <a:endParaRPr lang="en-US"/>
           </a:p>
@@ -452,7 +457,7 @@
           <a:p>
             <a:fld id="{ACA72623-B0BF-41E5-9560-81A7199B980B}" type="datetimeFigureOut">
               <a:rPr lang="en-US" smtClean="0"/>
-              <a:t>12/1/2024</a:t>
+              <a:t>12/2/2024</a:t>
             </a:fld>
             <a:endParaRPr lang="en-US"/>
           </a:p>
@@ -660,7 +665,7 @@
           <a:p>
             <a:fld id="{ACA72623-B0BF-41E5-9560-81A7199B980B}" type="datetimeFigureOut">
               <a:rPr lang="en-US" smtClean="0"/>
-              <a:t>12/1/2024</a:t>
+              <a:t>12/2/2024</a:t>
             </a:fld>
             <a:endParaRPr lang="en-US"/>
           </a:p>
@@ -858,7 +863,7 @@
           <a:p>
             <a:fld id="{ACA72623-B0BF-41E5-9560-81A7199B980B}" type="datetimeFigureOut">
               <a:rPr lang="en-US" smtClean="0"/>
-              <a:t>12/1/2024</a:t>
+              <a:t>12/2/2024</a:t>
             </a:fld>
             <a:endParaRPr lang="en-US"/>
           </a:p>
@@ -1133,7 +1138,7 @@
           <a:p>
             <a:fld id="{ACA72623-B0BF-41E5-9560-81A7199B980B}" type="datetimeFigureOut">
               <a:rPr lang="en-US" smtClean="0"/>
-              <a:t>12/1/2024</a:t>
+              <a:t>12/2/2024</a:t>
             </a:fld>
             <a:endParaRPr lang="en-US"/>
           </a:p>
@@ -1398,7 +1403,7 @@
           <a:p>
             <a:fld id="{ACA72623-B0BF-41E5-9560-81A7199B980B}" type="datetimeFigureOut">
               <a:rPr lang="en-US" smtClean="0"/>
-              <a:t>12/1/2024</a:t>
+              <a:t>12/2/2024</a:t>
             </a:fld>
             <a:endParaRPr lang="en-US"/>
           </a:p>
@@ -1810,7 +1815,7 @@
           <a:p>
             <a:fld id="{ACA72623-B0BF-41E5-9560-81A7199B980B}" type="datetimeFigureOut">
               <a:rPr lang="en-US" smtClean="0"/>
-              <a:t>12/1/2024</a:t>
+              <a:t>12/2/2024</a:t>
             </a:fld>
             <a:endParaRPr lang="en-US"/>
           </a:p>
@@ -1951,7 +1956,7 @@
           <a:p>
             <a:fld id="{ACA72623-B0BF-41E5-9560-81A7199B980B}" type="datetimeFigureOut">
               <a:rPr lang="en-US" smtClean="0"/>
-              <a:t>12/1/2024</a:t>
+              <a:t>12/2/2024</a:t>
             </a:fld>
             <a:endParaRPr lang="en-US"/>
           </a:p>
@@ -2064,7 +2069,7 @@
           <a:p>
             <a:fld id="{ACA72623-B0BF-41E5-9560-81A7199B980B}" type="datetimeFigureOut">
               <a:rPr lang="en-US" smtClean="0"/>
-              <a:t>12/1/2024</a:t>
+              <a:t>12/2/2024</a:t>
             </a:fld>
             <a:endParaRPr lang="en-US"/>
           </a:p>
@@ -2375,7 +2380,7 @@
           <a:p>
             <a:fld id="{ACA72623-B0BF-41E5-9560-81A7199B980B}" type="datetimeFigureOut">
               <a:rPr lang="en-US" smtClean="0"/>
-              <a:t>12/1/2024</a:t>
+              <a:t>12/2/2024</a:t>
             </a:fld>
             <a:endParaRPr lang="en-US"/>
           </a:p>
@@ -2663,7 +2668,7 @@
           <a:p>
             <a:fld id="{ACA72623-B0BF-41E5-9560-81A7199B980B}" type="datetimeFigureOut">
               <a:rPr lang="en-US" smtClean="0"/>
-              <a:t>12/1/2024</a:t>
+              <a:t>12/2/2024</a:t>
             </a:fld>
             <a:endParaRPr lang="en-US"/>
           </a:p>
@@ -2904,7 +2909,7 @@
           <a:p>
             <a:fld id="{ACA72623-B0BF-41E5-9560-81A7199B980B}" type="datetimeFigureOut">
               <a:rPr lang="en-US" smtClean="0"/>
-              <a:t>12/1/2024</a:t>
+              <a:t>12/2/2024</a:t>
             </a:fld>
             <a:endParaRPr lang="en-US"/>
           </a:p>
@@ -3507,7 +3512,7 @@
         </p:blipFill>
         <p:spPr>
           <a:xfrm>
-            <a:off x="-6352" y="1586678"/>
+            <a:off x="-134761" y="1538597"/>
             <a:ext cx="914400" cy="914400"/>
           </a:xfrm>
           <a:prstGeom prst="rect">
@@ -3532,7 +3537,7 @@
         </p:nvCxnSpPr>
         <p:spPr>
           <a:xfrm>
-            <a:off x="875755" y="1916428"/>
+            <a:off x="586998" y="1916428"/>
             <a:ext cx="817561" cy="0"/>
           </a:xfrm>
           <a:prstGeom prst="straightConnector1">
@@ -3571,7 +3576,7 @@
         </p:nvSpPr>
         <p:spPr>
           <a:xfrm>
-            <a:off x="875755" y="1639727"/>
+            <a:off x="586998" y="1639727"/>
             <a:ext cx="805029" cy="246221"/>
           </a:xfrm>
           <a:prstGeom prst="rect">
@@ -3610,8 +3615,8 @@
         </p:nvCxnSpPr>
         <p:spPr>
           <a:xfrm rot="16200000" flipH="1">
-            <a:off x="4228659" y="-478263"/>
-            <a:ext cx="445269" cy="4217381"/>
+            <a:off x="4084281" y="-622642"/>
+            <a:ext cx="445269" cy="4506138"/>
           </a:xfrm>
           <a:prstGeom prst="bentConnector3">
             <a:avLst>
@@ -3699,8 +3704,8 @@
         </p:nvSpPr>
         <p:spPr>
           <a:xfrm>
-            <a:off x="3318040" y="466724"/>
-            <a:ext cx="8092910" cy="5762625"/>
+            <a:off x="2879404" y="466724"/>
+            <a:ext cx="8531546" cy="5762625"/>
           </a:xfrm>
           <a:prstGeom prst="rect">
             <a:avLst/>
@@ -3746,7 +3751,7 @@
         </p:nvSpPr>
         <p:spPr>
           <a:xfrm>
-            <a:off x="1693316" y="1407793"/>
+            <a:off x="1404559" y="1407793"/>
             <a:ext cx="1298576" cy="1017270"/>
           </a:xfrm>
           <a:prstGeom prst="rect">
@@ -4162,7 +4167,7 @@
         </p:nvCxnSpPr>
         <p:spPr>
           <a:xfrm flipH="1">
-            <a:off x="875755" y="2234565"/>
+            <a:off x="586998" y="2234565"/>
             <a:ext cx="786807" cy="0"/>
           </a:xfrm>
           <a:prstGeom prst="straightConnector1">
@@ -4201,7 +4206,7 @@
         </p:nvSpPr>
         <p:spPr>
           <a:xfrm>
-            <a:off x="1008804" y="2260573"/>
+            <a:off x="720047" y="2260573"/>
             <a:ext cx="538930" cy="246221"/>
           </a:xfrm>
           <a:prstGeom prst="rect">
@@ -4276,20 +4281,18 @@
           </p:cNvPr>
           <p:cNvCxnSpPr>
             <a:cxnSpLocks/>
-            <a:stCxn id="21" idx="3"/>
-            <a:endCxn id="7" idx="0"/>
+            <a:stCxn id="21" idx="2"/>
+            <a:endCxn id="142" idx="0"/>
           </p:cNvCxnSpPr>
           <p:nvPr/>
         </p:nvCxnSpPr>
         <p:spPr>
-          <a:xfrm rot="5400000">
-            <a:off x="7114372" y="2802718"/>
-            <a:ext cx="647218" cy="1631242"/>
-          </a:xfrm>
-          <a:prstGeom prst="bentConnector3">
-            <a:avLst>
-              <a:gd name="adj1" fmla="val 50000"/>
-            </a:avLst>
+          <a:xfrm rot="10800000" flipV="1">
+            <a:off x="6667336" y="2686654"/>
+            <a:ext cx="1129067" cy="317332"/>
+          </a:xfrm>
+          <a:prstGeom prst="bentConnector2">
+            <a:avLst/>
           </a:prstGeom>
           <a:ln>
             <a:tailEnd type="triangle"/>
@@ -4328,8 +4331,8 @@
         </p:nvCxnSpPr>
         <p:spPr>
           <a:xfrm rot="10800000">
-            <a:off x="2991892" y="1916429"/>
-            <a:ext cx="785268" cy="411937"/>
+            <a:off x="2703136" y="1916429"/>
+            <a:ext cx="1074025" cy="411937"/>
           </a:xfrm>
           <a:prstGeom prst="bentConnector3">
             <a:avLst>
@@ -4419,7 +4422,7 @@
         </p:blipFill>
         <p:spPr>
           <a:xfrm>
-            <a:off x="7802631" y="3520246"/>
+            <a:off x="6649465" y="3580093"/>
             <a:ext cx="352541" cy="352541"/>
           </a:xfrm>
           <a:prstGeom prst="rect">
@@ -4455,7 +4458,7 @@
         </p:blipFill>
         <p:spPr>
           <a:xfrm>
-            <a:off x="7573192" y="1362327"/>
+            <a:off x="6446142" y="2436001"/>
             <a:ext cx="352541" cy="352541"/>
           </a:xfrm>
           <a:prstGeom prst="rect">
@@ -4491,7 +4494,7 @@
         </p:blipFill>
         <p:spPr>
           <a:xfrm>
-            <a:off x="2815620" y="865443"/>
+            <a:off x="2526863" y="865443"/>
             <a:ext cx="352541" cy="352541"/>
           </a:xfrm>
           <a:prstGeom prst="rect">
@@ -4774,20 +4777,18 @@
           </p:cNvPr>
           <p:cNvCxnSpPr>
             <a:cxnSpLocks/>
-            <a:stCxn id="133" idx="3"/>
-            <a:endCxn id="21" idx="1"/>
+            <a:stCxn id="133" idx="2"/>
           </p:cNvCxnSpPr>
           <p:nvPr/>
         </p:nvCxnSpPr>
         <p:spPr>
-          <a:xfrm flipV="1">
-            <a:off x="7222795" y="2078578"/>
-            <a:ext cx="1030807" cy="12137"/>
-          </a:xfrm>
-          <a:prstGeom prst="bentConnector4">
+          <a:xfrm rot="5400000">
+            <a:off x="5983367" y="2437693"/>
+            <a:ext cx="685944" cy="467292"/>
+          </a:xfrm>
+          <a:prstGeom prst="bentConnector3">
             <a:avLst>
-              <a:gd name="adj1" fmla="val 27823"/>
-              <a:gd name="adj2" fmla="val 3841584"/>
+              <a:gd name="adj1" fmla="val 50000"/>
             </a:avLst>
           </a:prstGeom>
           <a:ln>
@@ -4823,13 +4824,18 @@
         </p:nvSpPr>
         <p:spPr>
           <a:xfrm>
-            <a:off x="6743118" y="3213556"/>
-            <a:ext cx="1122423" cy="430887"/>
+            <a:off x="5761478" y="3003986"/>
+            <a:ext cx="1811714" cy="430887"/>
           </a:xfrm>
           <a:prstGeom prst="rect">
             <a:avLst/>
           </a:prstGeom>
           <a:noFill/>
+          <a:ln>
+            <a:solidFill>
+              <a:schemeClr val="accent1"/>
+            </a:solidFill>
+          </a:ln>
         </p:spPr>
         <p:txBody>
           <a:bodyPr wrap="none" rtlCol="0">
@@ -4839,13 +4845,13 @@
           <a:p>
             <a:r>
               <a:rPr lang="en-US" sz="1100" dirty="0"/>
-              <a:t>Relevant docs</a:t>
+              <a:t>Relevant docs from source</a:t>
             </a:r>
           </a:p>
           <a:p>
             <a:r>
               <a:rPr lang="en-US" sz="1100" dirty="0"/>
-              <a:t>Based on query</a:t>
+              <a:t>Based on user query</a:t>
             </a:r>
           </a:p>
         </p:txBody>
@@ -4968,7 +4974,7 @@
         </p:blipFill>
         <p:spPr>
           <a:xfrm>
-            <a:off x="1117072" y="2430372"/>
+            <a:off x="828315" y="2430372"/>
             <a:ext cx="334203" cy="334203"/>
           </a:xfrm>
           <a:prstGeom prst="rect">
@@ -5004,7 +5010,7 @@
         </p:blipFill>
         <p:spPr>
           <a:xfrm>
-            <a:off x="1261760" y="2430371"/>
+            <a:off x="973003" y="2430371"/>
             <a:ext cx="334203" cy="334203"/>
           </a:xfrm>
           <a:prstGeom prst="rect">
@@ -5012,6 +5018,505 @@
           </a:prstGeom>
         </p:spPr>
       </p:pic>
+      <p:cxnSp>
+        <p:nvCxnSpPr>
+          <p:cNvPr id="13" name="Connector: Elbow 12">
+            <a:extLst>
+              <a:ext uri="{FF2B5EF4-FFF2-40B4-BE49-F238E27FC236}">
+                <a16:creationId xmlns:a16="http://schemas.microsoft.com/office/drawing/2014/main" id="{052669F3-2D16-EC82-F4FE-D82136E1CF37}"/>
+              </a:ext>
+            </a:extLst>
+          </p:cNvPr>
+          <p:cNvCxnSpPr>
+            <a:cxnSpLocks/>
+            <a:stCxn id="142" idx="2"/>
+            <a:endCxn id="7" idx="0"/>
+          </p:cNvCxnSpPr>
+          <p:nvPr/>
+        </p:nvCxnSpPr>
+        <p:spPr>
+          <a:xfrm rot="5400000">
+            <a:off x="6391311" y="3665923"/>
+            <a:ext cx="507075" cy="44975"/>
+          </a:xfrm>
+          <a:prstGeom prst="bentConnector3">
+            <a:avLst>
+              <a:gd name="adj1" fmla="val 50000"/>
+            </a:avLst>
+          </a:prstGeom>
+          <a:ln>
+            <a:tailEnd type="triangle"/>
+          </a:ln>
+        </p:spPr>
+        <p:style>
+          <a:lnRef idx="1">
+            <a:schemeClr val="accent1"/>
+          </a:lnRef>
+          <a:fillRef idx="0">
+            <a:schemeClr val="accent1"/>
+          </a:fillRef>
+          <a:effectRef idx="0">
+            <a:schemeClr val="accent1"/>
+          </a:effectRef>
+          <a:fontRef idx="minor">
+            <a:schemeClr val="tx1"/>
+          </a:fontRef>
+        </p:style>
+      </p:cxnSp>
+      <p:sp>
+        <p:nvSpPr>
+          <p:cNvPr id="20" name="TextBox 19">
+            <a:extLst>
+              <a:ext uri="{FF2B5EF4-FFF2-40B4-BE49-F238E27FC236}">
+                <a16:creationId xmlns:a16="http://schemas.microsoft.com/office/drawing/2014/main" id="{65F39B90-67DE-9036-599B-A8F8298C08E8}"/>
+              </a:ext>
+            </a:extLst>
+          </p:cNvPr>
+          <p:cNvSpPr txBox="1"/>
+          <p:nvPr/>
+        </p:nvSpPr>
+        <p:spPr>
+          <a:xfrm>
+            <a:off x="10375435" y="1169265"/>
+            <a:ext cx="1496564" cy="369332"/>
+          </a:xfrm>
+          <a:prstGeom prst="rect">
+            <a:avLst/>
+          </a:prstGeom>
+          <a:noFill/>
+        </p:spPr>
+        <p:txBody>
+          <a:bodyPr wrap="square">
+            <a:spAutoFit/>
+          </a:bodyPr>
+          <a:lstStyle/>
+          <a:p>
+            <a:r>
+              <a:rPr lang="en-US" dirty="0" err="1">
+                <a:solidFill>
+                  <a:schemeClr val="accent2">
+                    <a:lumMod val="75000"/>
+                  </a:schemeClr>
+                </a:solidFill>
+              </a:rPr>
+              <a:t>CSVLoader</a:t>
+            </a:r>
+            <a:endParaRPr lang="en-US" dirty="0">
+              <a:solidFill>
+                <a:schemeClr val="accent2">
+                  <a:lumMod val="75000"/>
+                </a:schemeClr>
+              </a:solidFill>
+            </a:endParaRPr>
+          </a:p>
+        </p:txBody>
+      </p:sp>
+      <p:sp>
+        <p:nvSpPr>
+          <p:cNvPr id="25" name="TextBox 24">
+            <a:extLst>
+              <a:ext uri="{FF2B5EF4-FFF2-40B4-BE49-F238E27FC236}">
+                <a16:creationId xmlns:a16="http://schemas.microsoft.com/office/drawing/2014/main" id="{FA2583D0-327F-30BA-3048-183F9B97FE36}"/>
+              </a:ext>
+            </a:extLst>
+          </p:cNvPr>
+          <p:cNvSpPr txBox="1"/>
+          <p:nvPr/>
+        </p:nvSpPr>
+        <p:spPr>
+          <a:xfrm>
+            <a:off x="7906431" y="2939173"/>
+            <a:ext cx="854682" cy="369332"/>
+          </a:xfrm>
+          <a:prstGeom prst="rect">
+            <a:avLst/>
+          </a:prstGeom>
+          <a:noFill/>
+        </p:spPr>
+        <p:txBody>
+          <a:bodyPr wrap="square">
+            <a:spAutoFit/>
+          </a:bodyPr>
+          <a:lstStyle>
+            <a:defPPr>
+              <a:defRPr lang="en-US"/>
+            </a:defPPr>
+            <a:lvl1pPr>
+              <a:defRPr>
+                <a:solidFill>
+                  <a:schemeClr val="accent2">
+                    <a:lumMod val="75000"/>
+                  </a:schemeClr>
+                </a:solidFill>
+              </a:defRPr>
+            </a:lvl1pPr>
+          </a:lstStyle>
+          <a:p>
+            <a:r>
+              <a:rPr lang="en-US"/>
+              <a:t>FAISS</a:t>
+            </a:r>
+            <a:endParaRPr lang="en-US" dirty="0"/>
+          </a:p>
+        </p:txBody>
+      </p:sp>
+      <p:sp>
+        <p:nvSpPr>
+          <p:cNvPr id="29" name="TextBox 28">
+            <a:extLst>
+              <a:ext uri="{FF2B5EF4-FFF2-40B4-BE49-F238E27FC236}">
+                <a16:creationId xmlns:a16="http://schemas.microsoft.com/office/drawing/2014/main" id="{D392C707-5341-7BA6-FE97-EE0FEF667863}"/>
+              </a:ext>
+            </a:extLst>
+          </p:cNvPr>
+          <p:cNvSpPr txBox="1"/>
+          <p:nvPr/>
+        </p:nvSpPr>
+        <p:spPr>
+          <a:xfrm>
+            <a:off x="8333771" y="4025400"/>
+            <a:ext cx="2985537" cy="369332"/>
+          </a:xfrm>
+          <a:prstGeom prst="rect">
+            <a:avLst/>
+          </a:prstGeom>
+          <a:noFill/>
+        </p:spPr>
+        <p:txBody>
+          <a:bodyPr wrap="square">
+            <a:spAutoFit/>
+          </a:bodyPr>
+          <a:lstStyle>
+            <a:defPPr>
+              <a:defRPr lang="en-US"/>
+            </a:defPPr>
+            <a:lvl1pPr>
+              <a:defRPr>
+                <a:solidFill>
+                  <a:schemeClr val="accent2">
+                    <a:lumMod val="75000"/>
+                  </a:schemeClr>
+                </a:solidFill>
+              </a:defRPr>
+            </a:lvl1pPr>
+          </a:lstStyle>
+          <a:p>
+            <a:r>
+              <a:rPr lang="en-US" dirty="0" err="1"/>
+              <a:t>HuggingFaceEmbeddings</a:t>
+            </a:r>
+            <a:endParaRPr lang="en-US" dirty="0"/>
+          </a:p>
+        </p:txBody>
+      </p:sp>
+      <p:sp>
+        <p:nvSpPr>
+          <p:cNvPr id="31" name="TextBox 30">
+            <a:extLst>
+              <a:ext uri="{FF2B5EF4-FFF2-40B4-BE49-F238E27FC236}">
+                <a16:creationId xmlns:a16="http://schemas.microsoft.com/office/drawing/2014/main" id="{5EDD63AA-9E33-3847-7EA5-EFCD6E8A0C29}"/>
+              </a:ext>
+            </a:extLst>
+          </p:cNvPr>
+          <p:cNvSpPr txBox="1"/>
+          <p:nvPr/>
+        </p:nvSpPr>
+        <p:spPr>
+          <a:xfrm>
+            <a:off x="6179419" y="5450208"/>
+            <a:ext cx="2154352" cy="369332"/>
+          </a:xfrm>
+          <a:prstGeom prst="rect">
+            <a:avLst/>
+          </a:prstGeom>
+          <a:noFill/>
+        </p:spPr>
+        <p:txBody>
+          <a:bodyPr wrap="square">
+            <a:spAutoFit/>
+          </a:bodyPr>
+          <a:lstStyle/>
+          <a:p>
+            <a:r>
+              <a:rPr lang="en-US" dirty="0" err="1">
+                <a:solidFill>
+                  <a:schemeClr val="accent2">
+                    <a:lumMod val="75000"/>
+                  </a:schemeClr>
+                </a:solidFill>
+              </a:rPr>
+              <a:t>PromptTemplate</a:t>
+            </a:r>
+            <a:endParaRPr lang="en-US" dirty="0">
+              <a:solidFill>
+                <a:schemeClr val="accent2">
+                  <a:lumMod val="75000"/>
+                </a:schemeClr>
+              </a:solidFill>
+            </a:endParaRPr>
+          </a:p>
+        </p:txBody>
+      </p:sp>
+      <p:sp>
+        <p:nvSpPr>
+          <p:cNvPr id="33" name="TextBox 32">
+            <a:extLst>
+              <a:ext uri="{FF2B5EF4-FFF2-40B4-BE49-F238E27FC236}">
+                <a16:creationId xmlns:a16="http://schemas.microsoft.com/office/drawing/2014/main" id="{2A6E6998-EBC5-C05C-B598-439AF73FCD67}"/>
+              </a:ext>
+            </a:extLst>
+          </p:cNvPr>
+          <p:cNvSpPr txBox="1"/>
+          <p:nvPr/>
+        </p:nvSpPr>
+        <p:spPr>
+          <a:xfrm>
+            <a:off x="2892143" y="4232957"/>
+            <a:ext cx="1525102" cy="369332"/>
+          </a:xfrm>
+          <a:prstGeom prst="rect">
+            <a:avLst/>
+          </a:prstGeom>
+          <a:noFill/>
+        </p:spPr>
+        <p:txBody>
+          <a:bodyPr wrap="square">
+            <a:spAutoFit/>
+          </a:bodyPr>
+          <a:lstStyle>
+            <a:defPPr>
+              <a:defRPr lang="en-US"/>
+            </a:defPPr>
+            <a:lvl1pPr>
+              <a:defRPr>
+                <a:solidFill>
+                  <a:schemeClr val="accent2">
+                    <a:lumMod val="75000"/>
+                  </a:schemeClr>
+                </a:solidFill>
+              </a:defRPr>
+            </a:lvl1pPr>
+          </a:lstStyle>
+          <a:p>
+            <a:r>
+              <a:rPr lang="en-US" dirty="0" err="1"/>
+              <a:t>load_dotenv</a:t>
+            </a:r>
+            <a:endParaRPr lang="en-US" dirty="0"/>
+          </a:p>
+        </p:txBody>
+      </p:sp>
+      <p:pic>
+        <p:nvPicPr>
+          <p:cNvPr id="37" name="Graphic 36" descr="Key with solid fill">
+            <a:extLst>
+              <a:ext uri="{FF2B5EF4-FFF2-40B4-BE49-F238E27FC236}">
+                <a16:creationId xmlns:a16="http://schemas.microsoft.com/office/drawing/2014/main" id="{7D975428-47AA-F534-03F5-5CBB4FFE966D}"/>
+              </a:ext>
+            </a:extLst>
+          </p:cNvPr>
+          <p:cNvPicPr>
+            <a:picLocks noChangeAspect="1"/>
+          </p:cNvPicPr>
+          <p:nvPr/>
+        </p:nvPicPr>
+        <p:blipFill>
+          <a:blip r:embed="rId24">
+            <a:extLst>
+              <a:ext uri="{96DAC541-7B7A-43D3-8B79-37D633B846F1}">
+                <asvg:svgBlip xmlns:asvg="http://schemas.microsoft.com/office/drawing/2016/SVG/main" r:embed="rId25"/>
+              </a:ext>
+            </a:extLst>
+          </a:blip>
+          <a:stretch>
+            <a:fillRect/>
+          </a:stretch>
+        </p:blipFill>
+        <p:spPr>
+          <a:xfrm>
+            <a:off x="3044159" y="3775663"/>
+            <a:ext cx="529910" cy="529910"/>
+          </a:xfrm>
+          <a:prstGeom prst="rect">
+            <a:avLst/>
+          </a:prstGeom>
+        </p:spPr>
+      </p:pic>
+      <p:sp>
+        <p:nvSpPr>
+          <p:cNvPr id="44" name="TextBox 43">
+            <a:extLst>
+              <a:ext uri="{FF2B5EF4-FFF2-40B4-BE49-F238E27FC236}">
+                <a16:creationId xmlns:a16="http://schemas.microsoft.com/office/drawing/2014/main" id="{E0630C7B-B4D6-6A7C-A55F-2106FBD17E11}"/>
+              </a:ext>
+            </a:extLst>
+          </p:cNvPr>
+          <p:cNvSpPr txBox="1"/>
+          <p:nvPr/>
+        </p:nvSpPr>
+        <p:spPr>
+          <a:xfrm>
+            <a:off x="3814084" y="3772459"/>
+            <a:ext cx="2260145" cy="369332"/>
+          </a:xfrm>
+          <a:prstGeom prst="rect">
+            <a:avLst/>
+          </a:prstGeom>
+          <a:noFill/>
+        </p:spPr>
+        <p:txBody>
+          <a:bodyPr wrap="square">
+            <a:spAutoFit/>
+          </a:bodyPr>
+          <a:lstStyle>
+            <a:defPPr>
+              <a:defRPr lang="en-US"/>
+            </a:defPPr>
+            <a:lvl1pPr>
+              <a:defRPr>
+                <a:solidFill>
+                  <a:schemeClr val="accent2">
+                    <a:lumMod val="75000"/>
+                  </a:schemeClr>
+                </a:solidFill>
+              </a:defRPr>
+            </a:lvl1pPr>
+          </a:lstStyle>
+          <a:p>
+            <a:r>
+              <a:rPr lang="en-US" dirty="0" err="1"/>
+              <a:t>GoogleGenerativeAI</a:t>
+            </a:r>
+            <a:endParaRPr lang="en-US" dirty="0"/>
+          </a:p>
+        </p:txBody>
+      </p:sp>
+      <p:sp>
+        <p:nvSpPr>
+          <p:cNvPr id="45" name="TextBox 44">
+            <a:extLst>
+              <a:ext uri="{FF2B5EF4-FFF2-40B4-BE49-F238E27FC236}">
+                <a16:creationId xmlns:a16="http://schemas.microsoft.com/office/drawing/2014/main" id="{E37869A3-C4ED-4F20-34A8-4DB03AE05585}"/>
+              </a:ext>
+            </a:extLst>
+          </p:cNvPr>
+          <p:cNvSpPr txBox="1"/>
+          <p:nvPr/>
+        </p:nvSpPr>
+        <p:spPr>
+          <a:xfrm>
+            <a:off x="1477989" y="2460327"/>
+            <a:ext cx="1215210" cy="369332"/>
+          </a:xfrm>
+          <a:prstGeom prst="rect">
+            <a:avLst/>
+          </a:prstGeom>
+          <a:noFill/>
+        </p:spPr>
+        <p:txBody>
+          <a:bodyPr wrap="square">
+            <a:spAutoFit/>
+          </a:bodyPr>
+          <a:lstStyle>
+            <a:defPPr>
+              <a:defRPr lang="en-US"/>
+            </a:defPPr>
+            <a:lvl1pPr>
+              <a:defRPr>
+                <a:solidFill>
+                  <a:schemeClr val="accent2">
+                    <a:lumMod val="75000"/>
+                  </a:schemeClr>
+                </a:solidFill>
+              </a:defRPr>
+            </a:lvl1pPr>
+          </a:lstStyle>
+          <a:p>
+            <a:r>
+              <a:rPr lang="en-US" dirty="0" err="1"/>
+              <a:t>Streamlit</a:t>
+            </a:r>
+            <a:endParaRPr lang="en-US" dirty="0"/>
+          </a:p>
+        </p:txBody>
+      </p:sp>
+      <p:sp>
+        <p:nvSpPr>
+          <p:cNvPr id="50" name="TextBox 49">
+            <a:extLst>
+              <a:ext uri="{FF2B5EF4-FFF2-40B4-BE49-F238E27FC236}">
+                <a16:creationId xmlns:a16="http://schemas.microsoft.com/office/drawing/2014/main" id="{B2CFC8EC-536A-8B5C-C307-3B073846BBC1}"/>
+              </a:ext>
+            </a:extLst>
+          </p:cNvPr>
+          <p:cNvSpPr txBox="1"/>
+          <p:nvPr/>
+        </p:nvSpPr>
+        <p:spPr>
+          <a:xfrm>
+            <a:off x="3011023" y="4499712"/>
+            <a:ext cx="2548388" cy="246221"/>
+          </a:xfrm>
+          <a:prstGeom prst="rect">
+            <a:avLst/>
+          </a:prstGeom>
+          <a:noFill/>
+        </p:spPr>
+        <p:txBody>
+          <a:bodyPr wrap="square">
+            <a:spAutoFit/>
+          </a:bodyPr>
+          <a:lstStyle/>
+          <a:p>
+            <a:r>
+              <a:rPr lang="en-US" sz="1000" dirty="0"/>
+              <a:t>Google Gemini Pro</a:t>
+            </a:r>
+          </a:p>
+        </p:txBody>
+      </p:sp>
+      <p:sp>
+        <p:nvSpPr>
+          <p:cNvPr id="53" name="TextBox 52">
+            <a:extLst>
+              <a:ext uri="{FF2B5EF4-FFF2-40B4-BE49-F238E27FC236}">
+                <a16:creationId xmlns:a16="http://schemas.microsoft.com/office/drawing/2014/main" id="{0BF9766D-2A88-E026-F37E-EEBC2D34859C}"/>
+              </a:ext>
+            </a:extLst>
+          </p:cNvPr>
+          <p:cNvSpPr txBox="1"/>
+          <p:nvPr/>
+        </p:nvSpPr>
+        <p:spPr>
+          <a:xfrm>
+            <a:off x="8309138" y="4306818"/>
+            <a:ext cx="3278081" cy="246221"/>
+          </a:xfrm>
+          <a:prstGeom prst="rect">
+            <a:avLst/>
+          </a:prstGeom>
+          <a:noFill/>
+        </p:spPr>
+        <p:txBody>
+          <a:bodyPr wrap="square">
+            <a:spAutoFit/>
+          </a:bodyPr>
+          <a:lstStyle>
+            <a:defPPr>
+              <a:defRPr lang="en-US"/>
+            </a:defPPr>
+            <a:lvl1pPr>
+              <a:defRPr sz="1000"/>
+            </a:lvl1pPr>
+          </a:lstStyle>
+          <a:p>
+            <a:r>
+              <a:rPr lang="en-US" dirty="0"/>
+              <a:t>sentence-transformers/all-mpnet-base-v2</a:t>
+            </a:r>
+          </a:p>
+        </p:txBody>
+      </p:sp>
     </p:spTree>
     <p:extLst>
       <p:ext uri="{BB962C8B-B14F-4D97-AF65-F5344CB8AC3E}">

--- a/Technical_Architecture_&_Flow.pptx
+++ b/Technical_Architecture_&_Flow.pptx
@@ -6,6 +6,7 @@
   </p:sldMasterIdLst>
   <p:sldIdLst>
     <p:sldId id="256" r:id="rId2"/>
+    <p:sldId id="257" r:id="rId3"/>
   </p:sldIdLst>
   <p:sldSz cx="12192000" cy="6858000"/>
   <p:notesSz cx="6858000" cy="9144000"/>
@@ -259,7 +260,7 @@
           <a:p>
             <a:fld id="{ACA72623-B0BF-41E5-9560-81A7199B980B}" type="datetimeFigureOut">
               <a:rPr lang="en-US" smtClean="0"/>
-              <a:t>12/2/2024</a:t>
+              <a:t>12/4/2024</a:t>
             </a:fld>
             <a:endParaRPr lang="en-US"/>
           </a:p>
@@ -457,7 +458,7 @@
           <a:p>
             <a:fld id="{ACA72623-B0BF-41E5-9560-81A7199B980B}" type="datetimeFigureOut">
               <a:rPr lang="en-US" smtClean="0"/>
-              <a:t>12/2/2024</a:t>
+              <a:t>12/4/2024</a:t>
             </a:fld>
             <a:endParaRPr lang="en-US"/>
           </a:p>
@@ -665,7 +666,7 @@
           <a:p>
             <a:fld id="{ACA72623-B0BF-41E5-9560-81A7199B980B}" type="datetimeFigureOut">
               <a:rPr lang="en-US" smtClean="0"/>
-              <a:t>12/2/2024</a:t>
+              <a:t>12/4/2024</a:t>
             </a:fld>
             <a:endParaRPr lang="en-US"/>
           </a:p>
@@ -863,7 +864,7 @@
           <a:p>
             <a:fld id="{ACA72623-B0BF-41E5-9560-81A7199B980B}" type="datetimeFigureOut">
               <a:rPr lang="en-US" smtClean="0"/>
-              <a:t>12/2/2024</a:t>
+              <a:t>12/4/2024</a:t>
             </a:fld>
             <a:endParaRPr lang="en-US"/>
           </a:p>
@@ -1138,7 +1139,7 @@
           <a:p>
             <a:fld id="{ACA72623-B0BF-41E5-9560-81A7199B980B}" type="datetimeFigureOut">
               <a:rPr lang="en-US" smtClean="0"/>
-              <a:t>12/2/2024</a:t>
+              <a:t>12/4/2024</a:t>
             </a:fld>
             <a:endParaRPr lang="en-US"/>
           </a:p>
@@ -1403,7 +1404,7 @@
           <a:p>
             <a:fld id="{ACA72623-B0BF-41E5-9560-81A7199B980B}" type="datetimeFigureOut">
               <a:rPr lang="en-US" smtClean="0"/>
-              <a:t>12/2/2024</a:t>
+              <a:t>12/4/2024</a:t>
             </a:fld>
             <a:endParaRPr lang="en-US"/>
           </a:p>
@@ -1815,7 +1816,7 @@
           <a:p>
             <a:fld id="{ACA72623-B0BF-41E5-9560-81A7199B980B}" type="datetimeFigureOut">
               <a:rPr lang="en-US" smtClean="0"/>
-              <a:t>12/2/2024</a:t>
+              <a:t>12/4/2024</a:t>
             </a:fld>
             <a:endParaRPr lang="en-US"/>
           </a:p>
@@ -1956,7 +1957,7 @@
           <a:p>
             <a:fld id="{ACA72623-B0BF-41E5-9560-81A7199B980B}" type="datetimeFigureOut">
               <a:rPr lang="en-US" smtClean="0"/>
-              <a:t>12/2/2024</a:t>
+              <a:t>12/4/2024</a:t>
             </a:fld>
             <a:endParaRPr lang="en-US"/>
           </a:p>
@@ -2069,7 +2070,7 @@
           <a:p>
             <a:fld id="{ACA72623-B0BF-41E5-9560-81A7199B980B}" type="datetimeFigureOut">
               <a:rPr lang="en-US" smtClean="0"/>
-              <a:t>12/2/2024</a:t>
+              <a:t>12/4/2024</a:t>
             </a:fld>
             <a:endParaRPr lang="en-US"/>
           </a:p>
@@ -2380,7 +2381,7 @@
           <a:p>
             <a:fld id="{ACA72623-B0BF-41E5-9560-81A7199B980B}" type="datetimeFigureOut">
               <a:rPr lang="en-US" smtClean="0"/>
-              <a:t>12/2/2024</a:t>
+              <a:t>12/4/2024</a:t>
             </a:fld>
             <a:endParaRPr lang="en-US"/>
           </a:p>
@@ -2668,7 +2669,7 @@
           <a:p>
             <a:fld id="{ACA72623-B0BF-41E5-9560-81A7199B980B}" type="datetimeFigureOut">
               <a:rPr lang="en-US" smtClean="0"/>
-              <a:t>12/2/2024</a:t>
+              <a:t>12/4/2024</a:t>
             </a:fld>
             <a:endParaRPr lang="en-US"/>
           </a:p>
@@ -2909,7 +2910,7 @@
           <a:p>
             <a:fld id="{ACA72623-B0BF-41E5-9560-81A7199B980B}" type="datetimeFigureOut">
               <a:rPr lang="en-US" smtClean="0"/>
-              <a:t>12/2/2024</a:t>
+              <a:t>12/4/2024</a:t>
             </a:fld>
             <a:endParaRPr lang="en-US"/>
           </a:p>
@@ -5517,10 +5518,112 @@
           </a:p>
         </p:txBody>
       </p:sp>
+      <p:sp>
+        <p:nvSpPr>
+          <p:cNvPr id="2" name="TextBox 1">
+            <a:extLst>
+              <a:ext uri="{FF2B5EF4-FFF2-40B4-BE49-F238E27FC236}">
+                <a16:creationId xmlns:a16="http://schemas.microsoft.com/office/drawing/2014/main" id="{C8F51E36-AA1C-17DE-50FB-1B9E12A8E459}"/>
+              </a:ext>
+            </a:extLst>
+          </p:cNvPr>
+          <p:cNvSpPr txBox="1"/>
+          <p:nvPr/>
+        </p:nvSpPr>
+        <p:spPr>
+          <a:xfrm>
+            <a:off x="3710371" y="3123269"/>
+            <a:ext cx="1393330" cy="400110"/>
+          </a:xfrm>
+          <a:prstGeom prst="rect">
+            <a:avLst/>
+          </a:prstGeom>
+          <a:noFill/>
+        </p:spPr>
+        <p:txBody>
+          <a:bodyPr wrap="none" rtlCol="0">
+            <a:spAutoFit/>
+          </a:bodyPr>
+          <a:lstStyle/>
+          <a:p>
+            <a:r>
+              <a:rPr lang="en-US" sz="1000" dirty="0"/>
+              <a:t>User Understandable </a:t>
+            </a:r>
+          </a:p>
+          <a:p>
+            <a:r>
+              <a:rPr lang="en-US" sz="1000" dirty="0" err="1"/>
+              <a:t>Reponse</a:t>
+            </a:r>
+            <a:endParaRPr lang="en-US" sz="1000" dirty="0"/>
+          </a:p>
+        </p:txBody>
+      </p:sp>
     </p:spTree>
     <p:extLst>
       <p:ext uri="{BB962C8B-B14F-4D97-AF65-F5344CB8AC3E}">
         <p14:creationId xmlns:p14="http://schemas.microsoft.com/office/powerpoint/2010/main" val="194931457"/>
+      </p:ext>
+    </p:extLst>
+  </p:cSld>
+  <p:clrMapOvr>
+    <a:masterClrMapping/>
+  </p:clrMapOvr>
+</p:sld>
+</file>
+
+<file path=ppt/slides/slide2.xml><?xml version="1.0" encoding="utf-8"?>
+<p:sld xmlns:a="http://schemas.openxmlformats.org/drawingml/2006/main" xmlns:r="http://schemas.openxmlformats.org/officeDocument/2006/relationships" xmlns:p="http://schemas.openxmlformats.org/presentationml/2006/main">
+  <p:cSld>
+    <p:spTree>
+      <p:nvGrpSpPr>
+        <p:cNvPr id="1" name=""/>
+        <p:cNvGrpSpPr/>
+        <p:nvPr/>
+      </p:nvGrpSpPr>
+      <p:grpSpPr>
+        <a:xfrm>
+          <a:off x="0" y="0"/>
+          <a:ext cx="0" cy="0"/>
+          <a:chOff x="0" y="0"/>
+          <a:chExt cx="0" cy="0"/>
+        </a:xfrm>
+      </p:grpSpPr>
+      <p:pic>
+        <p:nvPicPr>
+          <p:cNvPr id="5" name="Picture 4">
+            <a:extLst>
+              <a:ext uri="{FF2B5EF4-FFF2-40B4-BE49-F238E27FC236}">
+                <a16:creationId xmlns:a16="http://schemas.microsoft.com/office/drawing/2014/main" id="{D47F35B1-0133-9953-4AD1-CB5FB71B4705}"/>
+              </a:ext>
+            </a:extLst>
+          </p:cNvPr>
+          <p:cNvPicPr>
+            <a:picLocks noChangeAspect="1"/>
+          </p:cNvPicPr>
+          <p:nvPr/>
+        </p:nvPicPr>
+        <p:blipFill>
+          <a:blip r:embed="rId2"/>
+          <a:stretch>
+            <a:fillRect/>
+          </a:stretch>
+        </p:blipFill>
+        <p:spPr>
+          <a:xfrm>
+            <a:off x="1766283" y="923575"/>
+            <a:ext cx="8659433" cy="5010849"/>
+          </a:xfrm>
+          <a:prstGeom prst="rect">
+            <a:avLst/>
+          </a:prstGeom>
+        </p:spPr>
+      </p:pic>
+    </p:spTree>
+    <p:extLst>
+      <p:ext uri="{BB962C8B-B14F-4D97-AF65-F5344CB8AC3E}">
+        <p14:creationId xmlns:p14="http://schemas.microsoft.com/office/powerpoint/2010/main" val="2141140441"/>
       </p:ext>
     </p:extLst>
   </p:cSld>
